--- a/Unit 2/Estimating Covariance.pptx
+++ b/Unit 2/Estimating Covariance.pptx
@@ -9,8 +9,9 @@
     <p:sldId id="295" r:id="rId3"/>
     <p:sldId id="257" r:id="rId4"/>
     <p:sldId id="297" r:id="rId5"/>
-    <p:sldId id="258" r:id="rId6"/>
-    <p:sldId id="296" r:id="rId7"/>
+    <p:sldId id="298" r:id="rId6"/>
+    <p:sldId id="258" r:id="rId7"/>
+    <p:sldId id="296" r:id="rId8"/>
   </p:sldIdLst>
   <p:sldSz cx="12192000" cy="6858000"/>
   <p:notesSz cx="6858000" cy="9144000"/>
@@ -8412,7 +8413,7 @@
           <a:p>
             <a:r>
               <a:rPr lang="en-US" dirty="0" err="1"/>
-              <a:t>acv_hat</a:t>
+              <a:t>gamma_hat</a:t>
             </a:r>
             <a:r>
               <a:rPr lang="en-US" dirty="0"/>
@@ -8446,7 +8447,7 @@
           <a:p>
             <a:r>
               <a:rPr lang="en-US" dirty="0" err="1"/>
-              <a:t>acv_tilde</a:t>
+              <a:t>gamma_tilde</a:t>
             </a:r>
             <a:r>
               <a:rPr lang="en-US" dirty="0"/>
@@ -8454,7 +8455,7 @@
             </a:r>
             <a:r>
               <a:rPr lang="en-US" dirty="0" err="1"/>
-              <a:t>acv_hat$acf</a:t>
+              <a:t>gamma_hat$acf</a:t>
             </a:r>
             <a:r>
               <a:rPr lang="en-US" dirty="0"/>
@@ -8498,11 +8499,17 @@
             </a:r>
             <a:r>
               <a:rPr lang="en-US" dirty="0"/>
-              <a:t> = 3) lines(</a:t>
+              <a:t> = 3)</a:t>
+            </a:r>
+          </a:p>
+          <a:p>
+            <a:r>
+              <a:rPr lang="en-US" dirty="0"/>
+              <a:t>lines(</a:t>
             </a:r>
             <a:r>
               <a:rPr lang="en-US" dirty="0" err="1"/>
-              <a:t>acv_hat$acf,lwd</a:t>
+              <a:t>gamma_hat$acf,lwd</a:t>
             </a:r>
             <a:r>
               <a:rPr lang="en-US" dirty="0"/>
@@ -8516,7 +8523,7 @@
             </a:r>
             <a:r>
               <a:rPr lang="en-US" dirty="0" err="1"/>
-              <a:t>acv_tilde</a:t>
+              <a:t>gamma_tilde</a:t>
             </a:r>
             <a:r>
               <a:rPr lang="en-US" dirty="0"/>
@@ -8547,6 +8554,252 @@
 </file>
 
 <file path=ppt/slides/slide5.xml><?xml version="1.0" encoding="utf-8"?>
+<p:sld xmlns:a="http://schemas.openxmlformats.org/drawingml/2006/main" xmlns:r="http://schemas.openxmlformats.org/officeDocument/2006/relationships" xmlns:p="http://schemas.openxmlformats.org/presentationml/2006/main" show="0">
+  <p:cSld>
+    <p:spTree>
+      <p:nvGrpSpPr>
+        <p:cNvPr id="1" name=""/>
+        <p:cNvGrpSpPr/>
+        <p:nvPr/>
+      </p:nvGrpSpPr>
+      <p:grpSpPr>
+        <a:xfrm>
+          <a:off x="0" y="0"/>
+          <a:ext cx="0" cy="0"/>
+          <a:chOff x="0" y="0"/>
+          <a:chExt cx="0" cy="0"/>
+        </a:xfrm>
+      </p:grpSpPr>
+      <p:sp>
+        <p:nvSpPr>
+          <p:cNvPr id="2" name="Title 1">
+            <a:extLst>
+              <a:ext uri="{FF2B5EF4-FFF2-40B4-BE49-F238E27FC236}">
+                <a16:creationId xmlns:a16="http://schemas.microsoft.com/office/drawing/2014/main" id="{5EC1B4FB-EA43-4E4A-BB9E-EB0B59E7BF04}"/>
+              </a:ext>
+            </a:extLst>
+          </p:cNvPr>
+          <p:cNvSpPr>
+            <a:spLocks noGrp="1"/>
+          </p:cNvSpPr>
+          <p:nvPr>
+            <p:ph type="title"/>
+          </p:nvPr>
+        </p:nvSpPr>
+        <p:spPr/>
+        <p:txBody>
+          <a:bodyPr/>
+          <a:lstStyle/>
+          <a:p>
+            <a:r>
+              <a:rPr lang="en-US" dirty="0"/>
+              <a:t>Example with R (change seed to see how it changes with different samples.)</a:t>
+            </a:r>
+          </a:p>
+        </p:txBody>
+      </p:sp>
+      <p:sp>
+        <p:nvSpPr>
+          <p:cNvPr id="4" name="Rectangle 3">
+            <a:extLst>
+              <a:ext uri="{FF2B5EF4-FFF2-40B4-BE49-F238E27FC236}">
+                <a16:creationId xmlns:a16="http://schemas.microsoft.com/office/drawing/2014/main" id="{269685C2-0579-FE4F-9175-6C7A096BA257}"/>
+              </a:ext>
+            </a:extLst>
+          </p:cNvPr>
+          <p:cNvSpPr/>
+          <p:nvPr/>
+        </p:nvSpPr>
+        <p:spPr>
+          <a:xfrm>
+            <a:off x="1762897" y="2193490"/>
+            <a:ext cx="10429103" cy="3539430"/>
+          </a:xfrm>
+          <a:prstGeom prst="rect">
+            <a:avLst/>
+          </a:prstGeom>
+        </p:spPr>
+        <p:txBody>
+          <a:bodyPr wrap="square">
+            <a:spAutoFit/>
+          </a:bodyPr>
+          <a:lstStyle/>
+          <a:p>
+            <a:r>
+              <a:rPr lang="en-US" sz="2800" dirty="0" err="1"/>
+              <a:t>set.seed</a:t>
+            </a:r>
+            <a:r>
+              <a:rPr lang="en-US" sz="2800" dirty="0"/>
+              <a:t>(16)</a:t>
+            </a:r>
+          </a:p>
+          <a:p>
+            <a:r>
+              <a:rPr lang="en-US" sz="2800" dirty="0"/>
+              <a:t>x = </a:t>
+            </a:r>
+            <a:r>
+              <a:rPr lang="en-US" sz="2800" dirty="0" err="1"/>
+              <a:t>plotts.true.wge</a:t>
+            </a:r>
+            <a:r>
+              <a:rPr lang="en-US" sz="2800" dirty="0"/>
+              <a:t>(100,.8, </a:t>
+            </a:r>
+            <a:r>
+              <a:rPr lang="en-US" sz="2800" dirty="0" err="1"/>
+              <a:t>vara</a:t>
+            </a:r>
+            <a:r>
+              <a:rPr lang="en-US" sz="2800" dirty="0"/>
+              <a:t> = 1,lag.max = 100)</a:t>
+            </a:r>
+          </a:p>
+          <a:p>
+            <a:r>
+              <a:rPr lang="en-US" sz="2800" dirty="0" err="1"/>
+              <a:t>gamma_hat</a:t>
+            </a:r>
+            <a:r>
+              <a:rPr lang="en-US" sz="2800" dirty="0"/>
+              <a:t> = </a:t>
+            </a:r>
+            <a:r>
+              <a:rPr lang="en-US" sz="2800" dirty="0" err="1"/>
+              <a:t>acf</a:t>
+            </a:r>
+            <a:r>
+              <a:rPr lang="en-US" sz="2800" dirty="0"/>
+              <a:t>(</a:t>
+            </a:r>
+            <a:r>
+              <a:rPr lang="en-US" sz="2800" dirty="0" err="1"/>
+              <a:t>x$data,type</a:t>
+            </a:r>
+            <a:r>
+              <a:rPr lang="en-US" sz="2800" dirty="0"/>
+              <a:t> = "covariance",</a:t>
+            </a:r>
+            <a:r>
+              <a:rPr lang="en-US" sz="2800" dirty="0" err="1"/>
+              <a:t>lag.max</a:t>
+            </a:r>
+            <a:r>
+              <a:rPr lang="en-US" sz="2800" dirty="0"/>
+              <a:t> = 100)</a:t>
+            </a:r>
+          </a:p>
+          <a:p>
+            <a:r>
+              <a:rPr lang="en-US" sz="2800" dirty="0" err="1"/>
+              <a:t>gamma_tilde</a:t>
+            </a:r>
+            <a:r>
+              <a:rPr lang="en-US" sz="2800" dirty="0"/>
+              <a:t> = </a:t>
+            </a:r>
+            <a:r>
+              <a:rPr lang="en-US" sz="2800" dirty="0" err="1"/>
+              <a:t>gamma_hat$acf</a:t>
+            </a:r>
+            <a:r>
+              <a:rPr lang="en-US" sz="2800" dirty="0"/>
+              <a:t>[2:100]*100 * (1/seq(99,1))</a:t>
+            </a:r>
+          </a:p>
+          <a:p>
+            <a:r>
+              <a:rPr lang="en-US" sz="2800" dirty="0" err="1"/>
+              <a:t>dev.off</a:t>
+            </a:r>
+            <a:r>
+              <a:rPr lang="en-US" sz="2800" dirty="0"/>
+              <a:t>()</a:t>
+            </a:r>
+          </a:p>
+          <a:p>
+            <a:r>
+              <a:rPr lang="en-US" sz="2800" dirty="0"/>
+              <a:t>plot(</a:t>
+            </a:r>
+            <a:r>
+              <a:rPr lang="en-US" sz="2800" dirty="0" err="1"/>
+              <a:t>x$acv,type</a:t>
+            </a:r>
+            <a:r>
+              <a:rPr lang="en-US" sz="2800" dirty="0"/>
+              <a:t> = "l", </a:t>
+            </a:r>
+            <a:r>
+              <a:rPr lang="en-US" sz="2800" dirty="0" err="1"/>
+              <a:t>ylim</a:t>
+            </a:r>
+            <a:r>
+              <a:rPr lang="en-US" sz="2800" dirty="0"/>
+              <a:t> = c(-3,3), </a:t>
+            </a:r>
+            <a:r>
+              <a:rPr lang="en-US" sz="2800" dirty="0" err="1"/>
+              <a:t>lwd</a:t>
+            </a:r>
+            <a:r>
+              <a:rPr lang="en-US" sz="2800" dirty="0"/>
+              <a:t> = 3)</a:t>
+            </a:r>
+          </a:p>
+          <a:p>
+            <a:r>
+              <a:rPr lang="en-US" sz="2800" dirty="0"/>
+              <a:t>lines(</a:t>
+            </a:r>
+            <a:r>
+              <a:rPr lang="en-US" sz="2800" dirty="0" err="1"/>
+              <a:t>gamma_hat$acf,lwd</a:t>
+            </a:r>
+            <a:r>
+              <a:rPr lang="en-US" sz="2800" dirty="0"/>
+              <a:t> = 2,col = "red")</a:t>
+            </a:r>
+          </a:p>
+          <a:p>
+            <a:r>
+              <a:rPr lang="en-US" sz="2800" dirty="0"/>
+              <a:t>lines(</a:t>
+            </a:r>
+            <a:r>
+              <a:rPr lang="en-US" sz="2800" dirty="0" err="1"/>
+              <a:t>gamma_tilde</a:t>
+            </a:r>
+            <a:r>
+              <a:rPr lang="en-US" sz="2800" dirty="0"/>
+              <a:t>, col = "blue", </a:t>
+            </a:r>
+            <a:r>
+              <a:rPr lang="en-US" sz="2800" dirty="0" err="1"/>
+              <a:t>lwd</a:t>
+            </a:r>
+            <a:r>
+              <a:rPr lang="en-US" sz="2800" dirty="0"/>
+              <a:t> = 2)</a:t>
+            </a:r>
+          </a:p>
+        </p:txBody>
+      </p:sp>
+    </p:spTree>
+    <p:extLst>
+      <p:ext uri="{BB962C8B-B14F-4D97-AF65-F5344CB8AC3E}">
+        <p14:creationId xmlns:p14="http://schemas.microsoft.com/office/powerpoint/2010/main" val="2844315548"/>
+      </p:ext>
+    </p:extLst>
+  </p:cSld>
+  <p:clrMapOvr>
+    <a:masterClrMapping/>
+  </p:clrMapOvr>
+</p:sld>
+</file>
+
+<file path=ppt/slides/slide6.xml><?xml version="1.0" encoding="utf-8"?>
 <p:sld xmlns:a="http://schemas.openxmlformats.org/drawingml/2006/main" xmlns:r="http://schemas.openxmlformats.org/officeDocument/2006/relationships" xmlns:p="http://schemas.openxmlformats.org/presentationml/2006/main">
   <p:cSld>
     <p:spTree>
@@ -12086,7 +12339,7 @@
                                           </p:stCondLst>
                                         </p:cTn>
                                         <p:tgtEl>
-                                          <p:spTgt spid="10"/>
+                                          <p:spTgt spid="5"/>
                                         </p:tgtEl>
                                         <p:attrNameLst>
                                           <p:attrName>style.visibility</p:attrName>
@@ -12100,7 +12353,465 @@
                                       <p:cBhvr>
                                         <p:cTn id="12" dur="500"/>
                                         <p:tgtEl>
+                                          <p:spTgt spid="5"/>
+                                        </p:tgtEl>
+                                      </p:cBhvr>
+                                    </p:animEffect>
+                                  </p:childTnLst>
+                                </p:cTn>
+                              </p:par>
+                            </p:childTnLst>
+                          </p:cTn>
+                        </p:par>
+                        <p:par>
+                          <p:cTn id="13" fill="hold">
+                            <p:stCondLst>
+                              <p:cond delay="500"/>
+                            </p:stCondLst>
+                            <p:childTnLst>
+                              <p:par>
+                                <p:cTn id="14" presetID="10" presetClass="entr" presetSubtype="0" fill="hold" grpId="0" nodeType="afterEffect">
+                                  <p:stCondLst>
+                                    <p:cond delay="0"/>
+                                  </p:stCondLst>
+                                  <p:childTnLst>
+                                    <p:set>
+                                      <p:cBhvr>
+                                        <p:cTn id="15" dur="1" fill="hold">
+                                          <p:stCondLst>
+                                            <p:cond delay="0"/>
+                                          </p:stCondLst>
+                                        </p:cTn>
+                                        <p:tgtEl>
+                                          <p:spTgt spid="6"/>
+                                        </p:tgtEl>
+                                        <p:attrNameLst>
+                                          <p:attrName>style.visibility</p:attrName>
+                                        </p:attrNameLst>
+                                      </p:cBhvr>
+                                      <p:to>
+                                        <p:strVal val="visible"/>
+                                      </p:to>
+                                    </p:set>
+                                    <p:animEffect transition="in" filter="fade">
+                                      <p:cBhvr>
+                                        <p:cTn id="16" dur="500"/>
+                                        <p:tgtEl>
+                                          <p:spTgt spid="6"/>
+                                        </p:tgtEl>
+                                      </p:cBhvr>
+                                    </p:animEffect>
+                                  </p:childTnLst>
+                                </p:cTn>
+                              </p:par>
+                            </p:childTnLst>
+                          </p:cTn>
+                        </p:par>
+                        <p:par>
+                          <p:cTn id="17" fill="hold">
+                            <p:stCondLst>
+                              <p:cond delay="1000"/>
+                            </p:stCondLst>
+                            <p:childTnLst>
+                              <p:par>
+                                <p:cTn id="18" presetID="10" presetClass="entr" presetSubtype="0" fill="hold" grpId="0" nodeType="afterEffect">
+                                  <p:stCondLst>
+                                    <p:cond delay="0"/>
+                                  </p:stCondLst>
+                                  <p:childTnLst>
+                                    <p:set>
+                                      <p:cBhvr>
+                                        <p:cTn id="19" dur="1" fill="hold">
+                                          <p:stCondLst>
+                                            <p:cond delay="0"/>
+                                          </p:stCondLst>
+                                        </p:cTn>
+                                        <p:tgtEl>
+                                          <p:spTgt spid="9"/>
+                                        </p:tgtEl>
+                                        <p:attrNameLst>
+                                          <p:attrName>style.visibility</p:attrName>
+                                        </p:attrNameLst>
+                                      </p:cBhvr>
+                                      <p:to>
+                                        <p:strVal val="visible"/>
+                                      </p:to>
+                                    </p:set>
+                                    <p:animEffect transition="in" filter="fade">
+                                      <p:cBhvr>
+                                        <p:cTn id="20" dur="500"/>
+                                        <p:tgtEl>
+                                          <p:spTgt spid="9"/>
+                                        </p:tgtEl>
+                                      </p:cBhvr>
+                                    </p:animEffect>
+                                  </p:childTnLst>
+                                </p:cTn>
+                              </p:par>
+                            </p:childTnLst>
+                          </p:cTn>
+                        </p:par>
+                        <p:par>
+                          <p:cTn id="21" fill="hold">
+                            <p:stCondLst>
+                              <p:cond delay="1500"/>
+                            </p:stCondLst>
+                            <p:childTnLst>
+                              <p:par>
+                                <p:cTn id="22" presetID="10" presetClass="entr" presetSubtype="0" fill="hold" grpId="0" nodeType="afterEffect">
+                                  <p:stCondLst>
+                                    <p:cond delay="0"/>
+                                  </p:stCondLst>
+                                  <p:childTnLst>
+                                    <p:set>
+                                      <p:cBhvr>
+                                        <p:cTn id="23" dur="1" fill="hold">
+                                          <p:stCondLst>
+                                            <p:cond delay="0"/>
+                                          </p:stCondLst>
+                                        </p:cTn>
+                                        <p:tgtEl>
+                                          <p:spTgt spid="7"/>
+                                        </p:tgtEl>
+                                        <p:attrNameLst>
+                                          <p:attrName>style.visibility</p:attrName>
+                                        </p:attrNameLst>
+                                      </p:cBhvr>
+                                      <p:to>
+                                        <p:strVal val="visible"/>
+                                      </p:to>
+                                    </p:set>
+                                    <p:animEffect transition="in" filter="fade">
+                                      <p:cBhvr>
+                                        <p:cTn id="24" dur="500"/>
+                                        <p:tgtEl>
+                                          <p:spTgt spid="7"/>
+                                        </p:tgtEl>
+                                      </p:cBhvr>
+                                    </p:animEffect>
+                                  </p:childTnLst>
+                                </p:cTn>
+                              </p:par>
+                            </p:childTnLst>
+                          </p:cTn>
+                        </p:par>
+                        <p:par>
+                          <p:cTn id="25" fill="hold">
+                            <p:stCondLst>
+                              <p:cond delay="2000"/>
+                            </p:stCondLst>
+                            <p:childTnLst>
+                              <p:par>
+                                <p:cTn id="26" presetID="10" presetClass="entr" presetSubtype="0" fill="hold" grpId="0" nodeType="afterEffect">
+                                  <p:stCondLst>
+                                    <p:cond delay="0"/>
+                                  </p:stCondLst>
+                                  <p:childTnLst>
+                                    <p:set>
+                                      <p:cBhvr>
+                                        <p:cTn id="27" dur="1" fill="hold">
+                                          <p:stCondLst>
+                                            <p:cond delay="0"/>
+                                          </p:stCondLst>
+                                        </p:cTn>
+                                        <p:tgtEl>
+                                          <p:spTgt spid="8"/>
+                                        </p:tgtEl>
+                                        <p:attrNameLst>
+                                          <p:attrName>style.visibility</p:attrName>
+                                        </p:attrNameLst>
+                                      </p:cBhvr>
+                                      <p:to>
+                                        <p:strVal val="visible"/>
+                                      </p:to>
+                                    </p:set>
+                                    <p:animEffect transition="in" filter="fade">
+                                      <p:cBhvr>
+                                        <p:cTn id="28" dur="500"/>
+                                        <p:tgtEl>
+                                          <p:spTgt spid="8"/>
+                                        </p:tgtEl>
+                                      </p:cBhvr>
+                                    </p:animEffect>
+                                  </p:childTnLst>
+                                </p:cTn>
+                              </p:par>
+                            </p:childTnLst>
+                          </p:cTn>
+                        </p:par>
+                      </p:childTnLst>
+                    </p:cTn>
+                  </p:par>
+                  <p:par>
+                    <p:cTn id="29" fill="hold">
+                      <p:stCondLst>
+                        <p:cond delay="indefinite"/>
+                      </p:stCondLst>
+                      <p:childTnLst>
+                        <p:par>
+                          <p:cTn id="30" fill="hold">
+                            <p:stCondLst>
+                              <p:cond delay="0"/>
+                            </p:stCondLst>
+                            <p:childTnLst>
+                              <p:par>
+                                <p:cTn id="31" presetID="10" presetClass="entr" presetSubtype="0" fill="hold" grpId="0" nodeType="clickEffect">
+                                  <p:stCondLst>
+                                    <p:cond delay="0"/>
+                                  </p:stCondLst>
+                                  <p:childTnLst>
+                                    <p:set>
+                                      <p:cBhvr>
+                                        <p:cTn id="32" dur="1" fill="hold">
+                                          <p:stCondLst>
+                                            <p:cond delay="0"/>
+                                          </p:stCondLst>
+                                        </p:cTn>
+                                        <p:tgtEl>
                                           <p:spTgt spid="10"/>
+                                        </p:tgtEl>
+                                        <p:attrNameLst>
+                                          <p:attrName>style.visibility</p:attrName>
+                                        </p:attrNameLst>
+                                      </p:cBhvr>
+                                      <p:to>
+                                        <p:strVal val="visible"/>
+                                      </p:to>
+                                    </p:set>
+                                    <p:animEffect transition="in" filter="fade">
+                                      <p:cBhvr>
+                                        <p:cTn id="33" dur="500"/>
+                                        <p:tgtEl>
+                                          <p:spTgt spid="10"/>
+                                        </p:tgtEl>
+                                      </p:cBhvr>
+                                    </p:animEffect>
+                                  </p:childTnLst>
+                                </p:cTn>
+                              </p:par>
+                            </p:childTnLst>
+                          </p:cTn>
+                        </p:par>
+                      </p:childTnLst>
+                    </p:cTn>
+                  </p:par>
+                  <p:par>
+                    <p:cTn id="34" fill="hold">
+                      <p:stCondLst>
+                        <p:cond delay="indefinite"/>
+                      </p:stCondLst>
+                      <p:childTnLst>
+                        <p:par>
+                          <p:cTn id="35" fill="hold">
+                            <p:stCondLst>
+                              <p:cond delay="0"/>
+                            </p:stCondLst>
+                            <p:childTnLst>
+                              <p:par>
+                                <p:cTn id="36" presetID="10" presetClass="entr" presetSubtype="0" fill="hold" grpId="0" nodeType="clickEffect">
+                                  <p:stCondLst>
+                                    <p:cond delay="0"/>
+                                  </p:stCondLst>
+                                  <p:childTnLst>
+                                    <p:set>
+                                      <p:cBhvr>
+                                        <p:cTn id="37" dur="1" fill="hold">
+                                          <p:stCondLst>
+                                            <p:cond delay="0"/>
+                                          </p:stCondLst>
+                                        </p:cTn>
+                                        <p:tgtEl>
+                                          <p:spTgt spid="11"/>
+                                        </p:tgtEl>
+                                        <p:attrNameLst>
+                                          <p:attrName>style.visibility</p:attrName>
+                                        </p:attrNameLst>
+                                      </p:cBhvr>
+                                      <p:to>
+                                        <p:strVal val="visible"/>
+                                      </p:to>
+                                    </p:set>
+                                    <p:animEffect transition="in" filter="fade">
+                                      <p:cBhvr>
+                                        <p:cTn id="38" dur="500"/>
+                                        <p:tgtEl>
+                                          <p:spTgt spid="11"/>
+                                        </p:tgtEl>
+                                      </p:cBhvr>
+                                    </p:animEffect>
+                                  </p:childTnLst>
+                                </p:cTn>
+                              </p:par>
+                            </p:childTnLst>
+                          </p:cTn>
+                        </p:par>
+                        <p:par>
+                          <p:cTn id="39" fill="hold">
+                            <p:stCondLst>
+                              <p:cond delay="500"/>
+                            </p:stCondLst>
+                            <p:childTnLst>
+                              <p:par>
+                                <p:cTn id="40" presetID="10" presetClass="entr" presetSubtype="0" fill="hold" grpId="0" nodeType="afterEffect">
+                                  <p:stCondLst>
+                                    <p:cond delay="0"/>
+                                  </p:stCondLst>
+                                  <p:childTnLst>
+                                    <p:set>
+                                      <p:cBhvr>
+                                        <p:cTn id="41" dur="1" fill="hold">
+                                          <p:stCondLst>
+                                            <p:cond delay="0"/>
+                                          </p:stCondLst>
+                                        </p:cTn>
+                                        <p:tgtEl>
+                                          <p:spTgt spid="12"/>
+                                        </p:tgtEl>
+                                        <p:attrNameLst>
+                                          <p:attrName>style.visibility</p:attrName>
+                                        </p:attrNameLst>
+                                      </p:cBhvr>
+                                      <p:to>
+                                        <p:strVal val="visible"/>
+                                      </p:to>
+                                    </p:set>
+                                    <p:animEffect transition="in" filter="fade">
+                                      <p:cBhvr>
+                                        <p:cTn id="42" dur="500"/>
+                                        <p:tgtEl>
+                                          <p:spTgt spid="12"/>
+                                        </p:tgtEl>
+                                      </p:cBhvr>
+                                    </p:animEffect>
+                                  </p:childTnLst>
+                                </p:cTn>
+                              </p:par>
+                            </p:childTnLst>
+                          </p:cTn>
+                        </p:par>
+                        <p:par>
+                          <p:cTn id="43" fill="hold">
+                            <p:stCondLst>
+                              <p:cond delay="1000"/>
+                            </p:stCondLst>
+                            <p:childTnLst>
+                              <p:par>
+                                <p:cTn id="44" presetID="10" presetClass="entr" presetSubtype="0" fill="hold" grpId="0" nodeType="afterEffect">
+                                  <p:stCondLst>
+                                    <p:cond delay="0"/>
+                                  </p:stCondLst>
+                                  <p:childTnLst>
+                                    <p:set>
+                                      <p:cBhvr>
+                                        <p:cTn id="45" dur="1" fill="hold">
+                                          <p:stCondLst>
+                                            <p:cond delay="0"/>
+                                          </p:stCondLst>
+                                        </p:cTn>
+                                        <p:tgtEl>
+                                          <p:spTgt spid="15"/>
+                                        </p:tgtEl>
+                                        <p:attrNameLst>
+                                          <p:attrName>style.visibility</p:attrName>
+                                        </p:attrNameLst>
+                                      </p:cBhvr>
+                                      <p:to>
+                                        <p:strVal val="visible"/>
+                                      </p:to>
+                                    </p:set>
+                                    <p:animEffect transition="in" filter="fade">
+                                      <p:cBhvr>
+                                        <p:cTn id="46" dur="500"/>
+                                        <p:tgtEl>
+                                          <p:spTgt spid="15"/>
+                                        </p:tgtEl>
+                                      </p:cBhvr>
+                                    </p:animEffect>
+                                  </p:childTnLst>
+                                </p:cTn>
+                              </p:par>
+                            </p:childTnLst>
+                          </p:cTn>
+                        </p:par>
+                        <p:par>
+                          <p:cTn id="47" fill="hold">
+                            <p:stCondLst>
+                              <p:cond delay="1500"/>
+                            </p:stCondLst>
+                            <p:childTnLst>
+                              <p:par>
+                                <p:cTn id="48" presetID="10" presetClass="entr" presetSubtype="0" fill="hold" grpId="0" nodeType="afterEffect">
+                                  <p:stCondLst>
+                                    <p:cond delay="0"/>
+                                  </p:stCondLst>
+                                  <p:childTnLst>
+                                    <p:set>
+                                      <p:cBhvr>
+                                        <p:cTn id="49" dur="1" fill="hold">
+                                          <p:stCondLst>
+                                            <p:cond delay="0"/>
+                                          </p:stCondLst>
+                                        </p:cTn>
+                                        <p:tgtEl>
+                                          <p:spTgt spid="13"/>
+                                        </p:tgtEl>
+                                        <p:attrNameLst>
+                                          <p:attrName>style.visibility</p:attrName>
+                                        </p:attrNameLst>
+                                      </p:cBhvr>
+                                      <p:to>
+                                        <p:strVal val="visible"/>
+                                      </p:to>
+                                    </p:set>
+                                    <p:animEffect transition="in" filter="fade">
+                                      <p:cBhvr>
+                                        <p:cTn id="50" dur="500"/>
+                                        <p:tgtEl>
+                                          <p:spTgt spid="13"/>
+                                        </p:tgtEl>
+                                      </p:cBhvr>
+                                    </p:animEffect>
+                                  </p:childTnLst>
+                                </p:cTn>
+                              </p:par>
+                            </p:childTnLst>
+                          </p:cTn>
+                        </p:par>
+                        <p:par>
+                          <p:cTn id="51" fill="hold">
+                            <p:stCondLst>
+                              <p:cond delay="2000"/>
+                            </p:stCondLst>
+                            <p:childTnLst>
+                              <p:par>
+                                <p:cTn id="52" presetID="10" presetClass="entr" presetSubtype="0" fill="hold" grpId="0" nodeType="afterEffect">
+                                  <p:stCondLst>
+                                    <p:cond delay="0"/>
+                                  </p:stCondLst>
+                                  <p:childTnLst>
+                                    <p:set>
+                                      <p:cBhvr>
+                                        <p:cTn id="53" dur="1" fill="hold">
+                                          <p:stCondLst>
+                                            <p:cond delay="0"/>
+                                          </p:stCondLst>
+                                        </p:cTn>
+                                        <p:tgtEl>
+                                          <p:spTgt spid="14"/>
+                                        </p:tgtEl>
+                                        <p:attrNameLst>
+                                          <p:attrName>style.visibility</p:attrName>
+                                        </p:attrNameLst>
+                                      </p:cBhvr>
+                                      <p:to>
+                                        <p:strVal val="visible"/>
+                                      </p:to>
+                                    </p:set>
+                                    <p:animEffect transition="in" filter="fade">
+                                      <p:cBhvr>
+                                        <p:cTn id="54" dur="500"/>
+                                        <p:tgtEl>
+                                          <p:spTgt spid="14"/>
                                         </p:tgtEl>
                                       </p:cBhvr>
                                     </p:animEffect>
@@ -12136,13 +12847,23 @@
     </p:tnLst>
     <p:bldLst>
       <p:bldP spid="4" grpId="0"/>
+      <p:bldP spid="5" grpId="0"/>
+      <p:bldP spid="6" grpId="0"/>
+      <p:bldP spid="7" grpId="0"/>
+      <p:bldP spid="8" grpId="0"/>
+      <p:bldP spid="9" grpId="0"/>
       <p:bldP spid="10" grpId="0"/>
+      <p:bldP spid="11" grpId="0"/>
+      <p:bldP spid="12" grpId="0"/>
+      <p:bldP spid="13" grpId="0"/>
+      <p:bldP spid="14" grpId="0"/>
+      <p:bldP spid="15" grpId="0"/>
     </p:bldLst>
   </p:timing>
 </p:sld>
 </file>
 
-<file path=ppt/slides/slide6.xml><?xml version="1.0" encoding="utf-8"?>
+<file path=ppt/slides/slide7.xml><?xml version="1.0" encoding="utf-8"?>
 <p:sld xmlns:a="http://schemas.openxmlformats.org/drawingml/2006/main" xmlns:r="http://schemas.openxmlformats.org/officeDocument/2006/relationships" xmlns:p="http://schemas.openxmlformats.org/presentationml/2006/main">
   <p:cSld>
     <p:spTree>
@@ -12961,6 +13682,146 @@
   <p:clrMapOvr>
     <a:masterClrMapping/>
   </p:clrMapOvr>
+  <p:timing>
+    <p:tnLst>
+      <p:par>
+        <p:cTn id="1" dur="indefinite" restart="never" nodeType="tmRoot">
+          <p:childTnLst>
+            <p:seq concurrent="1" nextAc="seek">
+              <p:cTn id="2" dur="indefinite" nodeType="mainSeq">
+                <p:childTnLst>
+                  <p:par>
+                    <p:cTn id="3" fill="hold">
+                      <p:stCondLst>
+                        <p:cond delay="indefinite"/>
+                      </p:stCondLst>
+                      <p:childTnLst>
+                        <p:par>
+                          <p:cTn id="4" fill="hold">
+                            <p:stCondLst>
+                              <p:cond delay="0"/>
+                            </p:stCondLst>
+                            <p:childTnLst>
+                              <p:par>
+                                <p:cTn id="5" presetID="10" presetClass="entr" presetSubtype="0" fill="hold" grpId="0" nodeType="clickEffect">
+                                  <p:stCondLst>
+                                    <p:cond delay="0"/>
+                                  </p:stCondLst>
+                                  <p:childTnLst>
+                                    <p:set>
+                                      <p:cBhvr>
+                                        <p:cTn id="6" dur="1" fill="hold">
+                                          <p:stCondLst>
+                                            <p:cond delay="0"/>
+                                          </p:stCondLst>
+                                        </p:cTn>
+                                        <p:tgtEl>
+                                          <p:spTgt spid="5"/>
+                                        </p:tgtEl>
+                                        <p:attrNameLst>
+                                          <p:attrName>style.visibility</p:attrName>
+                                        </p:attrNameLst>
+                                      </p:cBhvr>
+                                      <p:to>
+                                        <p:strVal val="visible"/>
+                                      </p:to>
+                                    </p:set>
+                                    <p:animEffect transition="in" filter="fade">
+                                      <p:cBhvr>
+                                        <p:cTn id="7" dur="500"/>
+                                        <p:tgtEl>
+                                          <p:spTgt spid="5"/>
+                                        </p:tgtEl>
+                                      </p:cBhvr>
+                                    </p:animEffect>
+                                  </p:childTnLst>
+                                </p:cTn>
+                              </p:par>
+                            </p:childTnLst>
+                          </p:cTn>
+                        </p:par>
+                      </p:childTnLst>
+                    </p:cTn>
+                  </p:par>
+                  <p:par>
+                    <p:cTn id="8" fill="hold">
+                      <p:stCondLst>
+                        <p:cond delay="indefinite"/>
+                      </p:stCondLst>
+                      <p:childTnLst>
+                        <p:par>
+                          <p:cTn id="9" fill="hold">
+                            <p:stCondLst>
+                              <p:cond delay="0"/>
+                            </p:stCondLst>
+                            <p:childTnLst>
+                              <p:par>
+                                <p:cTn id="10" presetID="10" presetClass="entr" presetSubtype="0" fill="hold" grpId="0" nodeType="clickEffect">
+                                  <p:stCondLst>
+                                    <p:cond delay="0"/>
+                                  </p:stCondLst>
+                                  <p:childTnLst>
+                                    <p:set>
+                                      <p:cBhvr>
+                                        <p:cTn id="11" dur="1" fill="hold">
+                                          <p:stCondLst>
+                                            <p:cond delay="0"/>
+                                          </p:stCondLst>
+                                        </p:cTn>
+                                        <p:tgtEl>
+                                          <p:spTgt spid="6"/>
+                                        </p:tgtEl>
+                                        <p:attrNameLst>
+                                          <p:attrName>style.visibility</p:attrName>
+                                        </p:attrNameLst>
+                                      </p:cBhvr>
+                                      <p:to>
+                                        <p:strVal val="visible"/>
+                                      </p:to>
+                                    </p:set>
+                                    <p:animEffect transition="in" filter="fade">
+                                      <p:cBhvr>
+                                        <p:cTn id="12" dur="500"/>
+                                        <p:tgtEl>
+                                          <p:spTgt spid="6"/>
+                                        </p:tgtEl>
+                                      </p:cBhvr>
+                                    </p:animEffect>
+                                  </p:childTnLst>
+                                </p:cTn>
+                              </p:par>
+                            </p:childTnLst>
+                          </p:cTn>
+                        </p:par>
+                      </p:childTnLst>
+                    </p:cTn>
+                  </p:par>
+                </p:childTnLst>
+              </p:cTn>
+              <p:prevCondLst>
+                <p:cond evt="onPrev" delay="0">
+                  <p:tgtEl>
+                    <p:sldTgt/>
+                  </p:tgtEl>
+                </p:cond>
+              </p:prevCondLst>
+              <p:nextCondLst>
+                <p:cond evt="onNext" delay="0">
+                  <p:tgtEl>
+                    <p:sldTgt/>
+                  </p:tgtEl>
+                </p:cond>
+              </p:nextCondLst>
+            </p:seq>
+          </p:childTnLst>
+        </p:cTn>
+      </p:par>
+    </p:tnLst>
+    <p:bldLst>
+      <p:bldP spid="5" grpId="0"/>
+      <p:bldP spid="6" grpId="0"/>
+    </p:bldLst>
+  </p:timing>
 </p:sld>
 </file>
 
